--- a/.lessons/14 Form validation and Handling/5 Overwrite Default Validation Texts/Overwrite Default Validation Texts.pptx
+++ b/.lessons/14 Form validation and Handling/5 Overwrite Default Validation Texts/Overwrite Default Validation Texts.pptx
@@ -5,12 +5,9 @@
     <p:sldMasterId id="2147483648" r:id="rId1"/>
   </p:sldMasterIdLst>
   <p:sldIdLst>
-    <p:sldId id="381" r:id="rId2"/>
-    <p:sldId id="382" r:id="rId3"/>
-    <p:sldId id="383" r:id="rId4"/>
-    <p:sldId id="384" r:id="rId5"/>
-    <p:sldId id="385" r:id="rId6"/>
-    <p:sldId id="386" r:id="rId7"/>
+    <p:sldId id="387" r:id="rId2"/>
+    <p:sldId id="381" r:id="rId3"/>
+    <p:sldId id="382" r:id="rId4"/>
   </p:sldIdLst>
   <p:sldSz cx="12192000" cy="6858000"/>
   <p:notesSz cx="6858000" cy="9144000"/>
@@ -264,7 +261,7 @@
           <a:p>
             <a:fld id="{3E102D2E-813C-461C-9963-687A650C48C0}" type="datetimeFigureOut">
               <a:rPr lang="en-US" smtClean="0"/>
-              <a:t>4/18/2025</a:t>
+              <a:t>4/20/2025</a:t>
             </a:fld>
             <a:endParaRPr lang="en-US"/>
           </a:p>
@@ -462,7 +459,7 @@
           <a:p>
             <a:fld id="{3E102D2E-813C-461C-9963-687A650C48C0}" type="datetimeFigureOut">
               <a:rPr lang="en-US" smtClean="0"/>
-              <a:t>4/18/2025</a:t>
+              <a:t>4/20/2025</a:t>
             </a:fld>
             <a:endParaRPr lang="en-US"/>
           </a:p>
@@ -670,7 +667,7 @@
           <a:p>
             <a:fld id="{3E102D2E-813C-461C-9963-687A650C48C0}" type="datetimeFigureOut">
               <a:rPr lang="en-US" smtClean="0"/>
-              <a:t>4/18/2025</a:t>
+              <a:t>4/20/2025</a:t>
             </a:fld>
             <a:endParaRPr lang="en-US"/>
           </a:p>
@@ -868,7 +865,7 @@
           <a:p>
             <a:fld id="{3E102D2E-813C-461C-9963-687A650C48C0}" type="datetimeFigureOut">
               <a:rPr lang="en-US" smtClean="0"/>
-              <a:t>4/18/2025</a:t>
+              <a:t>4/20/2025</a:t>
             </a:fld>
             <a:endParaRPr lang="en-US"/>
           </a:p>
@@ -1143,7 +1140,7 @@
           <a:p>
             <a:fld id="{3E102D2E-813C-461C-9963-687A650C48C0}" type="datetimeFigureOut">
               <a:rPr lang="en-US" smtClean="0"/>
-              <a:t>4/18/2025</a:t>
+              <a:t>4/20/2025</a:t>
             </a:fld>
             <a:endParaRPr lang="en-US"/>
           </a:p>
@@ -1408,7 +1405,7 @@
           <a:p>
             <a:fld id="{3E102D2E-813C-461C-9963-687A650C48C0}" type="datetimeFigureOut">
               <a:rPr lang="en-US" smtClean="0"/>
-              <a:t>4/18/2025</a:t>
+              <a:t>4/20/2025</a:t>
             </a:fld>
             <a:endParaRPr lang="en-US"/>
           </a:p>
@@ -1820,7 +1817,7 @@
           <a:p>
             <a:fld id="{3E102D2E-813C-461C-9963-687A650C48C0}" type="datetimeFigureOut">
               <a:rPr lang="en-US" smtClean="0"/>
-              <a:t>4/18/2025</a:t>
+              <a:t>4/20/2025</a:t>
             </a:fld>
             <a:endParaRPr lang="en-US"/>
           </a:p>
@@ -1961,7 +1958,7 @@
           <a:p>
             <a:fld id="{3E102D2E-813C-461C-9963-687A650C48C0}" type="datetimeFigureOut">
               <a:rPr lang="en-US" smtClean="0"/>
-              <a:t>4/18/2025</a:t>
+              <a:t>4/20/2025</a:t>
             </a:fld>
             <a:endParaRPr lang="en-US"/>
           </a:p>
@@ -2074,7 +2071,7 @@
           <a:p>
             <a:fld id="{3E102D2E-813C-461C-9963-687A650C48C0}" type="datetimeFigureOut">
               <a:rPr lang="en-US" smtClean="0"/>
-              <a:t>4/18/2025</a:t>
+              <a:t>4/20/2025</a:t>
             </a:fld>
             <a:endParaRPr lang="en-US"/>
           </a:p>
@@ -2385,7 +2382,7 @@
           <a:p>
             <a:fld id="{3E102D2E-813C-461C-9963-687A650C48C0}" type="datetimeFigureOut">
               <a:rPr lang="en-US" smtClean="0"/>
-              <a:t>4/18/2025</a:t>
+              <a:t>4/20/2025</a:t>
             </a:fld>
             <a:endParaRPr lang="en-US"/>
           </a:p>
@@ -2673,7 +2670,7 @@
           <a:p>
             <a:fld id="{3E102D2E-813C-461C-9963-687A650C48C0}" type="datetimeFigureOut">
               <a:rPr lang="en-US" smtClean="0"/>
-              <a:t>4/18/2025</a:t>
+              <a:t>4/20/2025</a:t>
             </a:fld>
             <a:endParaRPr lang="en-US"/>
           </a:p>
@@ -2914,7 +2911,7 @@
           <a:p>
             <a:fld id="{3E102D2E-813C-461C-9963-687A650C48C0}" type="datetimeFigureOut">
               <a:rPr lang="en-US" smtClean="0"/>
-              <a:t>4/18/2025</a:t>
+              <a:t>4/20/2025</a:t>
             </a:fld>
             <a:endParaRPr lang="en-US"/>
           </a:p>
@@ -3322,6 +3319,135 @@
         <p:cNvPr id="1" name="">
           <a:extLst>
             <a:ext uri="{FF2B5EF4-FFF2-40B4-BE49-F238E27FC236}">
+              <a16:creationId xmlns:a16="http://schemas.microsoft.com/office/drawing/2014/main" id="{2D358568-87CB-2AE3-0F6B-9F914F4DCD37}"/>
+            </a:ext>
+          </a:extLst>
+        </p:cNvPr>
+        <p:cNvGrpSpPr/>
+        <p:nvPr/>
+      </p:nvGrpSpPr>
+      <p:grpSpPr>
+        <a:xfrm>
+          <a:off x="0" y="0"/>
+          <a:ext cx="0" cy="0"/>
+          <a:chOff x="0" y="0"/>
+          <a:chExt cx="0" cy="0"/>
+        </a:xfrm>
+      </p:grpSpPr>
+      <p:sp>
+        <p:nvSpPr>
+          <p:cNvPr id="3" name="TextBox 2">
+            <a:extLst>
+              <a:ext uri="{FF2B5EF4-FFF2-40B4-BE49-F238E27FC236}">
+                <a16:creationId xmlns:a16="http://schemas.microsoft.com/office/drawing/2014/main" id="{EA9BB787-C6AD-C310-9431-F0FA7B5C9E30}"/>
+              </a:ext>
+            </a:extLst>
+          </p:cNvPr>
+          <p:cNvSpPr txBox="1"/>
+          <p:nvPr/>
+        </p:nvSpPr>
+        <p:spPr>
+          <a:xfrm>
+            <a:off x="217714" y="255046"/>
+            <a:ext cx="11756571" cy="355354"/>
+          </a:xfrm>
+          <a:prstGeom prst="rect">
+            <a:avLst/>
+          </a:prstGeom>
+          <a:noFill/>
+        </p:spPr>
+        <p:txBody>
+          <a:bodyPr wrap="square">
+            <a:spAutoFit/>
+          </a:bodyPr>
+          <a:lstStyle/>
+          <a:p>
+            <a:pPr>
+              <a:lnSpc>
+                <a:spcPct val="150000"/>
+              </a:lnSpc>
+              <a:buNone/>
+            </a:pPr>
+            <a:r>
+              <a:rPr kumimoji="0" lang="en-US" altLang="en-US" sz="1300" b="1" i="0" u="none" strike="noStrike" cap="none" normalizeH="0" baseline="0">
+                <a:ln>
+                  <a:noFill/>
+                </a:ln>
+                <a:solidFill>
+                  <a:schemeClr val="tx1"/>
+                </a:solidFill>
+                <a:effectLst/>
+                <a:latin typeface="Arial" panose="020B0604020202020204" pitchFamily="34" charset="0"/>
+              </a:rPr>
+              <a:t>Bonus</a:t>
+            </a:r>
+            <a:r>
+              <a:rPr kumimoji="0" lang="en-US" altLang="en-US" sz="1300" b="0" i="0" u="none" strike="noStrike" cap="none" normalizeH="0" baseline="0">
+                <a:ln>
+                  <a:noFill/>
+                </a:ln>
+                <a:solidFill>
+                  <a:schemeClr val="tx1"/>
+                </a:solidFill>
+                <a:effectLst/>
+                <a:latin typeface="Arial" panose="020B0604020202020204" pitchFamily="34" charset="0"/>
+              </a:rPr>
+              <a:t>: Səhv mesajlarını fərdiləşdirmək</a:t>
+            </a:r>
+          </a:p>
+        </p:txBody>
+      </p:sp>
+      <p:pic>
+        <p:nvPicPr>
+          <p:cNvPr id="6" name="Picture 5">
+            <a:extLst>
+              <a:ext uri="{FF2B5EF4-FFF2-40B4-BE49-F238E27FC236}">
+                <a16:creationId xmlns:a16="http://schemas.microsoft.com/office/drawing/2014/main" id="{634B9E7D-2A05-E88A-2CB2-119079A8873C}"/>
+              </a:ext>
+            </a:extLst>
+          </p:cNvPr>
+          <p:cNvPicPr>
+            <a:picLocks noChangeAspect="1"/>
+          </p:cNvPicPr>
+          <p:nvPr/>
+        </p:nvPicPr>
+        <p:blipFill>
+          <a:blip r:embed="rId2"/>
+          <a:stretch>
+            <a:fillRect/>
+          </a:stretch>
+        </p:blipFill>
+        <p:spPr>
+          <a:xfrm>
+            <a:off x="217714" y="942628"/>
+            <a:ext cx="8973802" cy="2486372"/>
+          </a:xfrm>
+          <a:prstGeom prst="rect">
+            <a:avLst/>
+          </a:prstGeom>
+        </p:spPr>
+      </p:pic>
+    </p:spTree>
+    <p:extLst>
+      <p:ext uri="{BB962C8B-B14F-4D97-AF65-F5344CB8AC3E}">
+        <p14:creationId xmlns:p14="http://schemas.microsoft.com/office/powerpoint/2010/main" val="2590380045"/>
+      </p:ext>
+    </p:extLst>
+  </p:cSld>
+  <p:clrMapOvr>
+    <a:masterClrMapping/>
+  </p:clrMapOvr>
+</p:sld>
+</file>
+
+<file path=ppt/slides/slide2.xml><?xml version="1.0" encoding="utf-8"?>
+<p:sld xmlns:a="http://schemas.openxmlformats.org/drawingml/2006/main" xmlns:r="http://schemas.openxmlformats.org/officeDocument/2006/relationships" xmlns:p="http://schemas.openxmlformats.org/presentationml/2006/main">
+  <p:cSld>
+    <p:spTree>
+      <p:nvGrpSpPr>
+        <p:cNvPr id="1" name="">
+          <a:extLst>
+            <a:ext uri="{FF2B5EF4-FFF2-40B4-BE49-F238E27FC236}">
               <a16:creationId xmlns:a16="http://schemas.microsoft.com/office/drawing/2014/main" id="{0C884384-7AB2-F6BF-D849-C8F653A7D400}"/>
             </a:ext>
           </a:extLst>
@@ -3387,6 +3513,36 @@
           </a:p>
         </p:txBody>
       </p:sp>
+      <p:pic>
+        <p:nvPicPr>
+          <p:cNvPr id="4" name="Picture 3">
+            <a:extLst>
+              <a:ext uri="{FF2B5EF4-FFF2-40B4-BE49-F238E27FC236}">
+                <a16:creationId xmlns:a16="http://schemas.microsoft.com/office/drawing/2014/main" id="{1C2AC7FE-6563-6956-D7E5-648A0045D4BC}"/>
+              </a:ext>
+            </a:extLst>
+          </p:cNvPr>
+          <p:cNvPicPr>
+            <a:picLocks noChangeAspect="1"/>
+          </p:cNvPicPr>
+          <p:nvPr/>
+        </p:nvPicPr>
+        <p:blipFill>
+          <a:blip r:embed="rId2"/>
+          <a:stretch>
+            <a:fillRect/>
+          </a:stretch>
+        </p:blipFill>
+        <p:spPr>
+          <a:xfrm>
+            <a:off x="5761728" y="465833"/>
+            <a:ext cx="6430272" cy="6392167"/>
+          </a:xfrm>
+          <a:prstGeom prst="rect">
+            <a:avLst/>
+          </a:prstGeom>
+        </p:spPr>
+      </p:pic>
     </p:spTree>
     <p:extLst>
       <p:ext uri="{BB962C8B-B14F-4D97-AF65-F5344CB8AC3E}">
@@ -3400,7 +3556,7 @@
 </p:sld>
 </file>
 
-<file path=ppt/slides/slide2.xml><?xml version="1.0" encoding="utf-8"?>
+<file path=ppt/slides/slide3.xml><?xml version="1.0" encoding="utf-8"?>
 <p:sld xmlns:a="http://schemas.openxmlformats.org/drawingml/2006/main" xmlns:r="http://schemas.openxmlformats.org/officeDocument/2006/relationships" xmlns:p="http://schemas.openxmlformats.org/presentationml/2006/main">
   <p:cSld>
     <p:spTree>
@@ -3477,350 +3633,6 @@
     <p:extLst>
       <p:ext uri="{BB962C8B-B14F-4D97-AF65-F5344CB8AC3E}">
         <p14:creationId xmlns:p14="http://schemas.microsoft.com/office/powerpoint/2010/main" val="1349234248"/>
-      </p:ext>
-    </p:extLst>
-  </p:cSld>
-  <p:clrMapOvr>
-    <a:masterClrMapping/>
-  </p:clrMapOvr>
-</p:sld>
-</file>
-
-<file path=ppt/slides/slide3.xml><?xml version="1.0" encoding="utf-8"?>
-<p:sld xmlns:a="http://schemas.openxmlformats.org/drawingml/2006/main" xmlns:r="http://schemas.openxmlformats.org/officeDocument/2006/relationships" xmlns:p="http://schemas.openxmlformats.org/presentationml/2006/main">
-  <p:cSld>
-    <p:spTree>
-      <p:nvGrpSpPr>
-        <p:cNvPr id="1" name="">
-          <a:extLst>
-            <a:ext uri="{FF2B5EF4-FFF2-40B4-BE49-F238E27FC236}">
-              <a16:creationId xmlns:a16="http://schemas.microsoft.com/office/drawing/2014/main" id="{2D358568-87CB-2AE3-0F6B-9F914F4DCD37}"/>
-            </a:ext>
-          </a:extLst>
-        </p:cNvPr>
-        <p:cNvGrpSpPr/>
-        <p:nvPr/>
-      </p:nvGrpSpPr>
-      <p:grpSpPr>
-        <a:xfrm>
-          <a:off x="0" y="0"/>
-          <a:ext cx="0" cy="0"/>
-          <a:chOff x="0" y="0"/>
-          <a:chExt cx="0" cy="0"/>
-        </a:xfrm>
-      </p:grpSpPr>
-      <p:sp>
-        <p:nvSpPr>
-          <p:cNvPr id="3" name="TextBox 2">
-            <a:extLst>
-              <a:ext uri="{FF2B5EF4-FFF2-40B4-BE49-F238E27FC236}">
-                <a16:creationId xmlns:a16="http://schemas.microsoft.com/office/drawing/2014/main" id="{EA9BB787-C6AD-C310-9431-F0FA7B5C9E30}"/>
-              </a:ext>
-            </a:extLst>
-          </p:cNvPr>
-          <p:cNvSpPr txBox="1"/>
-          <p:nvPr/>
-        </p:nvSpPr>
-        <p:spPr>
-          <a:xfrm>
-            <a:off x="217714" y="255046"/>
-            <a:ext cx="11756571" cy="355354"/>
-          </a:xfrm>
-          <a:prstGeom prst="rect">
-            <a:avLst/>
-          </a:prstGeom>
-          <a:noFill/>
-        </p:spPr>
-        <p:txBody>
-          <a:bodyPr wrap="square">
-            <a:spAutoFit/>
-          </a:bodyPr>
-          <a:lstStyle/>
-          <a:p>
-            <a:pPr>
-              <a:lnSpc>
-                <a:spcPct val="150000"/>
-              </a:lnSpc>
-              <a:buNone/>
-            </a:pPr>
-            <a:r>
-              <a:rPr kumimoji="0" lang="en-US" altLang="en-US" sz="1300" b="0" i="0" u="none" strike="noStrike" cap="none" normalizeH="0" baseline="0">
-                <a:ln>
-                  <a:noFill/>
-                </a:ln>
-                <a:solidFill>
-                  <a:schemeClr val="tx1"/>
-                </a:solidFill>
-                <a:effectLst/>
-                <a:latin typeface="Arial" panose="020B0604020202020204" pitchFamily="34" charset="0"/>
-              </a:rPr>
-              <a:t>.</a:t>
-            </a:r>
-          </a:p>
-        </p:txBody>
-      </p:sp>
-    </p:spTree>
-    <p:extLst>
-      <p:ext uri="{BB962C8B-B14F-4D97-AF65-F5344CB8AC3E}">
-        <p14:creationId xmlns:p14="http://schemas.microsoft.com/office/powerpoint/2010/main" val="792327255"/>
-      </p:ext>
-    </p:extLst>
-  </p:cSld>
-  <p:clrMapOvr>
-    <a:masterClrMapping/>
-  </p:clrMapOvr>
-</p:sld>
-</file>
-
-<file path=ppt/slides/slide4.xml><?xml version="1.0" encoding="utf-8"?>
-<p:sld xmlns:a="http://schemas.openxmlformats.org/drawingml/2006/main" xmlns:r="http://schemas.openxmlformats.org/officeDocument/2006/relationships" xmlns:p="http://schemas.openxmlformats.org/presentationml/2006/main">
-  <p:cSld>
-    <p:spTree>
-      <p:nvGrpSpPr>
-        <p:cNvPr id="1" name="">
-          <a:extLst>
-            <a:ext uri="{FF2B5EF4-FFF2-40B4-BE49-F238E27FC236}">
-              <a16:creationId xmlns:a16="http://schemas.microsoft.com/office/drawing/2014/main" id="{BDBEDF05-FCB4-F4F2-3132-AA110FA73B2D}"/>
-            </a:ext>
-          </a:extLst>
-        </p:cNvPr>
-        <p:cNvGrpSpPr/>
-        <p:nvPr/>
-      </p:nvGrpSpPr>
-      <p:grpSpPr>
-        <a:xfrm>
-          <a:off x="0" y="0"/>
-          <a:ext cx="0" cy="0"/>
-          <a:chOff x="0" y="0"/>
-          <a:chExt cx="0" cy="0"/>
-        </a:xfrm>
-      </p:grpSpPr>
-      <p:sp>
-        <p:nvSpPr>
-          <p:cNvPr id="3" name="TextBox 2">
-            <a:extLst>
-              <a:ext uri="{FF2B5EF4-FFF2-40B4-BE49-F238E27FC236}">
-                <a16:creationId xmlns:a16="http://schemas.microsoft.com/office/drawing/2014/main" id="{B06E83F4-26C7-5BC2-0B73-AA87CCF2CF33}"/>
-              </a:ext>
-            </a:extLst>
-          </p:cNvPr>
-          <p:cNvSpPr txBox="1"/>
-          <p:nvPr/>
-        </p:nvSpPr>
-        <p:spPr>
-          <a:xfrm>
-            <a:off x="217714" y="255046"/>
-            <a:ext cx="11756571" cy="355354"/>
-          </a:xfrm>
-          <a:prstGeom prst="rect">
-            <a:avLst/>
-          </a:prstGeom>
-          <a:noFill/>
-        </p:spPr>
-        <p:txBody>
-          <a:bodyPr wrap="square">
-            <a:spAutoFit/>
-          </a:bodyPr>
-          <a:lstStyle/>
-          <a:p>
-            <a:pPr>
-              <a:lnSpc>
-                <a:spcPct val="150000"/>
-              </a:lnSpc>
-              <a:buNone/>
-            </a:pPr>
-            <a:r>
-              <a:rPr kumimoji="0" lang="en-US" altLang="en-US" sz="1300" b="0" i="0" u="none" strike="noStrike" cap="none" normalizeH="0" baseline="0">
-                <a:ln>
-                  <a:noFill/>
-                </a:ln>
-                <a:solidFill>
-                  <a:schemeClr val="tx1"/>
-                </a:solidFill>
-                <a:effectLst/>
-                <a:latin typeface="Arial" panose="020B0604020202020204" pitchFamily="34" charset="0"/>
-              </a:rPr>
-              <a:t>.</a:t>
-            </a:r>
-          </a:p>
-        </p:txBody>
-      </p:sp>
-    </p:spTree>
-    <p:extLst>
-      <p:ext uri="{BB962C8B-B14F-4D97-AF65-F5344CB8AC3E}">
-        <p14:creationId xmlns:p14="http://schemas.microsoft.com/office/powerpoint/2010/main" val="3585178913"/>
-      </p:ext>
-    </p:extLst>
-  </p:cSld>
-  <p:clrMapOvr>
-    <a:masterClrMapping/>
-  </p:clrMapOvr>
-</p:sld>
-</file>
-
-<file path=ppt/slides/slide5.xml><?xml version="1.0" encoding="utf-8"?>
-<p:sld xmlns:a="http://schemas.openxmlformats.org/drawingml/2006/main" xmlns:r="http://schemas.openxmlformats.org/officeDocument/2006/relationships" xmlns:p="http://schemas.openxmlformats.org/presentationml/2006/main">
-  <p:cSld>
-    <p:spTree>
-      <p:nvGrpSpPr>
-        <p:cNvPr id="1" name="">
-          <a:extLst>
-            <a:ext uri="{FF2B5EF4-FFF2-40B4-BE49-F238E27FC236}">
-              <a16:creationId xmlns:a16="http://schemas.microsoft.com/office/drawing/2014/main" id="{608578D0-8F46-2ECB-7CFD-524FADE1AA96}"/>
-            </a:ext>
-          </a:extLst>
-        </p:cNvPr>
-        <p:cNvGrpSpPr/>
-        <p:nvPr/>
-      </p:nvGrpSpPr>
-      <p:grpSpPr>
-        <a:xfrm>
-          <a:off x="0" y="0"/>
-          <a:ext cx="0" cy="0"/>
-          <a:chOff x="0" y="0"/>
-          <a:chExt cx="0" cy="0"/>
-        </a:xfrm>
-      </p:grpSpPr>
-      <p:sp>
-        <p:nvSpPr>
-          <p:cNvPr id="3" name="TextBox 2">
-            <a:extLst>
-              <a:ext uri="{FF2B5EF4-FFF2-40B4-BE49-F238E27FC236}">
-                <a16:creationId xmlns:a16="http://schemas.microsoft.com/office/drawing/2014/main" id="{E4D1ADF0-33F7-C200-D17D-DCEC27FADC43}"/>
-              </a:ext>
-            </a:extLst>
-          </p:cNvPr>
-          <p:cNvSpPr txBox="1"/>
-          <p:nvPr/>
-        </p:nvSpPr>
-        <p:spPr>
-          <a:xfrm>
-            <a:off x="217714" y="255046"/>
-            <a:ext cx="11756571" cy="355354"/>
-          </a:xfrm>
-          <a:prstGeom prst="rect">
-            <a:avLst/>
-          </a:prstGeom>
-          <a:noFill/>
-        </p:spPr>
-        <p:txBody>
-          <a:bodyPr wrap="square">
-            <a:spAutoFit/>
-          </a:bodyPr>
-          <a:lstStyle/>
-          <a:p>
-            <a:pPr>
-              <a:lnSpc>
-                <a:spcPct val="150000"/>
-              </a:lnSpc>
-              <a:buNone/>
-            </a:pPr>
-            <a:r>
-              <a:rPr kumimoji="0" lang="en-US" altLang="en-US" sz="1300" b="0" i="0" u="none" strike="noStrike" cap="none" normalizeH="0" baseline="0">
-                <a:ln>
-                  <a:noFill/>
-                </a:ln>
-                <a:solidFill>
-                  <a:schemeClr val="tx1"/>
-                </a:solidFill>
-                <a:effectLst/>
-                <a:latin typeface="Arial" panose="020B0604020202020204" pitchFamily="34" charset="0"/>
-              </a:rPr>
-              <a:t>.</a:t>
-            </a:r>
-          </a:p>
-        </p:txBody>
-      </p:sp>
-    </p:spTree>
-    <p:extLst>
-      <p:ext uri="{BB962C8B-B14F-4D97-AF65-F5344CB8AC3E}">
-        <p14:creationId xmlns:p14="http://schemas.microsoft.com/office/powerpoint/2010/main" val="1359385102"/>
-      </p:ext>
-    </p:extLst>
-  </p:cSld>
-  <p:clrMapOvr>
-    <a:masterClrMapping/>
-  </p:clrMapOvr>
-</p:sld>
-</file>
-
-<file path=ppt/slides/slide6.xml><?xml version="1.0" encoding="utf-8"?>
-<p:sld xmlns:a="http://schemas.openxmlformats.org/drawingml/2006/main" xmlns:r="http://schemas.openxmlformats.org/officeDocument/2006/relationships" xmlns:p="http://schemas.openxmlformats.org/presentationml/2006/main">
-  <p:cSld>
-    <p:spTree>
-      <p:nvGrpSpPr>
-        <p:cNvPr id="1" name="">
-          <a:extLst>
-            <a:ext uri="{FF2B5EF4-FFF2-40B4-BE49-F238E27FC236}">
-              <a16:creationId xmlns:a16="http://schemas.microsoft.com/office/drawing/2014/main" id="{7038C1A5-AE56-96C9-50E7-7AD462C00EFF}"/>
-            </a:ext>
-          </a:extLst>
-        </p:cNvPr>
-        <p:cNvGrpSpPr/>
-        <p:nvPr/>
-      </p:nvGrpSpPr>
-      <p:grpSpPr>
-        <a:xfrm>
-          <a:off x="0" y="0"/>
-          <a:ext cx="0" cy="0"/>
-          <a:chOff x="0" y="0"/>
-          <a:chExt cx="0" cy="0"/>
-        </a:xfrm>
-      </p:grpSpPr>
-      <p:sp>
-        <p:nvSpPr>
-          <p:cNvPr id="3" name="TextBox 2">
-            <a:extLst>
-              <a:ext uri="{FF2B5EF4-FFF2-40B4-BE49-F238E27FC236}">
-                <a16:creationId xmlns:a16="http://schemas.microsoft.com/office/drawing/2014/main" id="{DD70146E-2FB8-93AE-4BAE-A89C95C41A1F}"/>
-              </a:ext>
-            </a:extLst>
-          </p:cNvPr>
-          <p:cNvSpPr txBox="1"/>
-          <p:nvPr/>
-        </p:nvSpPr>
-        <p:spPr>
-          <a:xfrm>
-            <a:off x="217714" y="255046"/>
-            <a:ext cx="11756571" cy="355354"/>
-          </a:xfrm>
-          <a:prstGeom prst="rect">
-            <a:avLst/>
-          </a:prstGeom>
-          <a:noFill/>
-        </p:spPr>
-        <p:txBody>
-          <a:bodyPr wrap="square">
-            <a:spAutoFit/>
-          </a:bodyPr>
-          <a:lstStyle/>
-          <a:p>
-            <a:pPr>
-              <a:lnSpc>
-                <a:spcPct val="150000"/>
-              </a:lnSpc>
-              <a:buNone/>
-            </a:pPr>
-            <a:r>
-              <a:rPr kumimoji="0" lang="en-US" altLang="en-US" sz="1300" b="0" i="0" u="none" strike="noStrike" cap="none" normalizeH="0" baseline="0">
-                <a:ln>
-                  <a:noFill/>
-                </a:ln>
-                <a:solidFill>
-                  <a:schemeClr val="tx1"/>
-                </a:solidFill>
-                <a:effectLst/>
-                <a:latin typeface="Arial" panose="020B0604020202020204" pitchFamily="34" charset="0"/>
-              </a:rPr>
-              <a:t>.</a:t>
-            </a:r>
-          </a:p>
-        </p:txBody>
-      </p:sp>
-    </p:spTree>
-    <p:extLst>
-      <p:ext uri="{BB962C8B-B14F-4D97-AF65-F5344CB8AC3E}">
-        <p14:creationId xmlns:p14="http://schemas.microsoft.com/office/powerpoint/2010/main" val="1186759978"/>
       </p:ext>
     </p:extLst>
   </p:cSld>
